--- a/ppt 16-9/0531.令人叹息.pptx
+++ b/ppt 16-9/0531.令人叹息.pptx
@@ -129,7 +129,7 @@
           <p:cNvPr id="2" name="标题 1">
             <a:extLst>
               <a:ext uri="{FF2B5EF4-FFF2-40B4-BE49-F238E27FC236}">
-                <a16:creationId xmlns:a16="http://schemas.microsoft.com/office/drawing/2014/main" id="{1BB8393B-239B-721F-FB38-A423A4864CF2}"/>
+                <a16:creationId xmlns:a16="http://schemas.microsoft.com/office/drawing/2014/main" id="{E5694CBA-4901-1BB6-219C-F811895E6606}"/>
               </a:ext>
             </a:extLst>
           </p:cNvPr>
@@ -166,7 +166,7 @@
           <p:cNvPr id="3" name="副标题 2">
             <a:extLst>
               <a:ext uri="{FF2B5EF4-FFF2-40B4-BE49-F238E27FC236}">
-                <a16:creationId xmlns:a16="http://schemas.microsoft.com/office/drawing/2014/main" id="{5760D3A6-06D0-F962-357D-84308632F32E}"/>
+                <a16:creationId xmlns:a16="http://schemas.microsoft.com/office/drawing/2014/main" id="{FA03A870-9E76-AC73-0729-07313073AE07}"/>
               </a:ext>
             </a:extLst>
           </p:cNvPr>
@@ -236,7 +236,7 @@
           <p:cNvPr id="4" name="日期占位符 3">
             <a:extLst>
               <a:ext uri="{FF2B5EF4-FFF2-40B4-BE49-F238E27FC236}">
-                <a16:creationId xmlns:a16="http://schemas.microsoft.com/office/drawing/2014/main" id="{A2C759BC-AF19-DCD6-E405-B6271C08A39C}"/>
+                <a16:creationId xmlns:a16="http://schemas.microsoft.com/office/drawing/2014/main" id="{B1269CAB-F7B4-1A9E-5CE3-F7BDC4D638C6}"/>
               </a:ext>
             </a:extLst>
           </p:cNvPr>
@@ -252,7 +252,7 @@
           <a:bodyPr/>
           <a:lstStyle/>
           <a:p>
-            <a:fld id="{F218C118-FDF5-4ED2-B9DB-34A4E6D61D9E}" type="datetimeFigureOut">
+            <a:fld id="{AA235101-EA30-4610-8F66-EAFF218FADB9}" type="datetimeFigureOut">
               <a:rPr lang="zh-CN" altLang="en-US" smtClean="0"/>
               <a:t>2024/3/10</a:t>
             </a:fld>
@@ -265,7 +265,7 @@
           <p:cNvPr id="5" name="页脚占位符 4">
             <a:extLst>
               <a:ext uri="{FF2B5EF4-FFF2-40B4-BE49-F238E27FC236}">
-                <a16:creationId xmlns:a16="http://schemas.microsoft.com/office/drawing/2014/main" id="{AB71F12B-F740-ED35-F7B9-6BA50BE5FE32}"/>
+                <a16:creationId xmlns:a16="http://schemas.microsoft.com/office/drawing/2014/main" id="{1F968A06-C27F-2638-783D-8C1ED9C365A2}"/>
               </a:ext>
             </a:extLst>
           </p:cNvPr>
@@ -290,7 +290,7 @@
           <p:cNvPr id="6" name="灯片编号占位符 5">
             <a:extLst>
               <a:ext uri="{FF2B5EF4-FFF2-40B4-BE49-F238E27FC236}">
-                <a16:creationId xmlns:a16="http://schemas.microsoft.com/office/drawing/2014/main" id="{B1DF30AD-C6F3-7976-F25C-D0F9DC812455}"/>
+                <a16:creationId xmlns:a16="http://schemas.microsoft.com/office/drawing/2014/main" id="{8E6FC72F-B296-AE25-E374-093D260DA700}"/>
               </a:ext>
             </a:extLst>
           </p:cNvPr>
@@ -306,7 +306,7 @@
           <a:bodyPr/>
           <a:lstStyle/>
           <a:p>
-            <a:fld id="{D675676E-9196-4F64-8957-F14AF35DB08E}" type="slidenum">
+            <a:fld id="{6EB04AA5-0217-448D-8F3B-8E002BD20723}" type="slidenum">
               <a:rPr lang="zh-CN" altLang="en-US" smtClean="0"/>
               <a:t>‹#›</a:t>
             </a:fld>
@@ -317,7 +317,7 @@
     </p:spTree>
     <p:extLst>
       <p:ext uri="{BB962C8B-B14F-4D97-AF65-F5344CB8AC3E}">
-        <p14:creationId xmlns:p14="http://schemas.microsoft.com/office/powerpoint/2010/main" val="1128367059"/>
+        <p14:creationId xmlns:p14="http://schemas.microsoft.com/office/powerpoint/2010/main" val="418634593"/>
       </p:ext>
     </p:extLst>
   </p:cSld>
@@ -349,7 +349,7 @@
           <p:cNvPr id="2" name="标题 1">
             <a:extLst>
               <a:ext uri="{FF2B5EF4-FFF2-40B4-BE49-F238E27FC236}">
-                <a16:creationId xmlns:a16="http://schemas.microsoft.com/office/drawing/2014/main" id="{C04EBB2F-B39A-676D-CFC2-7C3AEAB2CE25}"/>
+                <a16:creationId xmlns:a16="http://schemas.microsoft.com/office/drawing/2014/main" id="{0978256F-BA34-933B-AF4C-AEAC6CA8AB4D}"/>
               </a:ext>
             </a:extLst>
           </p:cNvPr>
@@ -377,7 +377,7 @@
           <p:cNvPr id="3" name="竖排文字占位符 2">
             <a:extLst>
               <a:ext uri="{FF2B5EF4-FFF2-40B4-BE49-F238E27FC236}">
-                <a16:creationId xmlns:a16="http://schemas.microsoft.com/office/drawing/2014/main" id="{DCB40DEB-0EB6-BA33-46A8-CC7FAE27966E}"/>
+                <a16:creationId xmlns:a16="http://schemas.microsoft.com/office/drawing/2014/main" id="{77C4AC79-911D-0B84-3A78-E38A3B4DA5CD}"/>
               </a:ext>
             </a:extLst>
           </p:cNvPr>
@@ -434,7 +434,7 @@
           <p:cNvPr id="4" name="日期占位符 3">
             <a:extLst>
               <a:ext uri="{FF2B5EF4-FFF2-40B4-BE49-F238E27FC236}">
-                <a16:creationId xmlns:a16="http://schemas.microsoft.com/office/drawing/2014/main" id="{780C035E-999E-E114-58CE-47191233AFE0}"/>
+                <a16:creationId xmlns:a16="http://schemas.microsoft.com/office/drawing/2014/main" id="{7AAFFED8-55EC-A3E2-D9B7-2D12963DE6A6}"/>
               </a:ext>
             </a:extLst>
           </p:cNvPr>
@@ -450,7 +450,7 @@
           <a:bodyPr/>
           <a:lstStyle/>
           <a:p>
-            <a:fld id="{F218C118-FDF5-4ED2-B9DB-34A4E6D61D9E}" type="datetimeFigureOut">
+            <a:fld id="{AA235101-EA30-4610-8F66-EAFF218FADB9}" type="datetimeFigureOut">
               <a:rPr lang="zh-CN" altLang="en-US" smtClean="0"/>
               <a:t>2024/3/10</a:t>
             </a:fld>
@@ -463,7 +463,7 @@
           <p:cNvPr id="5" name="页脚占位符 4">
             <a:extLst>
               <a:ext uri="{FF2B5EF4-FFF2-40B4-BE49-F238E27FC236}">
-                <a16:creationId xmlns:a16="http://schemas.microsoft.com/office/drawing/2014/main" id="{DC98AFCB-7D40-A7F2-0BDE-416BE266C7C2}"/>
+                <a16:creationId xmlns:a16="http://schemas.microsoft.com/office/drawing/2014/main" id="{D775EA9F-A202-CAAB-3CBF-5A81541050CA}"/>
               </a:ext>
             </a:extLst>
           </p:cNvPr>
@@ -488,7 +488,7 @@
           <p:cNvPr id="6" name="灯片编号占位符 5">
             <a:extLst>
               <a:ext uri="{FF2B5EF4-FFF2-40B4-BE49-F238E27FC236}">
-                <a16:creationId xmlns:a16="http://schemas.microsoft.com/office/drawing/2014/main" id="{6C30FD55-6D7B-B83D-5786-7B1D7F9058B6}"/>
+                <a16:creationId xmlns:a16="http://schemas.microsoft.com/office/drawing/2014/main" id="{4AF87B1B-E92F-3D32-D61B-2C20D8AC9CFF}"/>
               </a:ext>
             </a:extLst>
           </p:cNvPr>
@@ -504,7 +504,7 @@
           <a:bodyPr/>
           <a:lstStyle/>
           <a:p>
-            <a:fld id="{D675676E-9196-4F64-8957-F14AF35DB08E}" type="slidenum">
+            <a:fld id="{6EB04AA5-0217-448D-8F3B-8E002BD20723}" type="slidenum">
               <a:rPr lang="zh-CN" altLang="en-US" smtClean="0"/>
               <a:t>‹#›</a:t>
             </a:fld>
@@ -515,7 +515,7 @@
     </p:spTree>
     <p:extLst>
       <p:ext uri="{BB962C8B-B14F-4D97-AF65-F5344CB8AC3E}">
-        <p14:creationId xmlns:p14="http://schemas.microsoft.com/office/powerpoint/2010/main" val="895603359"/>
+        <p14:creationId xmlns:p14="http://schemas.microsoft.com/office/powerpoint/2010/main" val="870158616"/>
       </p:ext>
     </p:extLst>
   </p:cSld>
@@ -547,7 +547,7 @@
           <p:cNvPr id="2" name="竖排标题 1">
             <a:extLst>
               <a:ext uri="{FF2B5EF4-FFF2-40B4-BE49-F238E27FC236}">
-                <a16:creationId xmlns:a16="http://schemas.microsoft.com/office/drawing/2014/main" id="{1E9EF831-9E85-3317-8274-0736C3FEADE9}"/>
+                <a16:creationId xmlns:a16="http://schemas.microsoft.com/office/drawing/2014/main" id="{821EB167-3134-3BC6-502C-E8BBEE104302}"/>
               </a:ext>
             </a:extLst>
           </p:cNvPr>
@@ -580,7 +580,7 @@
           <p:cNvPr id="3" name="竖排文字占位符 2">
             <a:extLst>
               <a:ext uri="{FF2B5EF4-FFF2-40B4-BE49-F238E27FC236}">
-                <a16:creationId xmlns:a16="http://schemas.microsoft.com/office/drawing/2014/main" id="{9C27BC24-1F45-CE67-B902-3EDC763B71A7}"/>
+                <a16:creationId xmlns:a16="http://schemas.microsoft.com/office/drawing/2014/main" id="{4FF484A6-9C00-BCE0-C362-378E31BAA94B}"/>
               </a:ext>
             </a:extLst>
           </p:cNvPr>
@@ -642,7 +642,7 @@
           <p:cNvPr id="4" name="日期占位符 3">
             <a:extLst>
               <a:ext uri="{FF2B5EF4-FFF2-40B4-BE49-F238E27FC236}">
-                <a16:creationId xmlns:a16="http://schemas.microsoft.com/office/drawing/2014/main" id="{B7EC679B-0043-D991-1D05-C3BF75A00826}"/>
+                <a16:creationId xmlns:a16="http://schemas.microsoft.com/office/drawing/2014/main" id="{F7A73627-36AE-A392-0916-462CCB9385EA}"/>
               </a:ext>
             </a:extLst>
           </p:cNvPr>
@@ -658,7 +658,7 @@
           <a:bodyPr/>
           <a:lstStyle/>
           <a:p>
-            <a:fld id="{F218C118-FDF5-4ED2-B9DB-34A4E6D61D9E}" type="datetimeFigureOut">
+            <a:fld id="{AA235101-EA30-4610-8F66-EAFF218FADB9}" type="datetimeFigureOut">
               <a:rPr lang="zh-CN" altLang="en-US" smtClean="0"/>
               <a:t>2024/3/10</a:t>
             </a:fld>
@@ -671,7 +671,7 @@
           <p:cNvPr id="5" name="页脚占位符 4">
             <a:extLst>
               <a:ext uri="{FF2B5EF4-FFF2-40B4-BE49-F238E27FC236}">
-                <a16:creationId xmlns:a16="http://schemas.microsoft.com/office/drawing/2014/main" id="{E55FAB44-79EC-0A14-DA8D-479F94EEA70D}"/>
+                <a16:creationId xmlns:a16="http://schemas.microsoft.com/office/drawing/2014/main" id="{9ABD29F4-06D8-D76D-B4AD-637CF1070C38}"/>
               </a:ext>
             </a:extLst>
           </p:cNvPr>
@@ -696,7 +696,7 @@
           <p:cNvPr id="6" name="灯片编号占位符 5">
             <a:extLst>
               <a:ext uri="{FF2B5EF4-FFF2-40B4-BE49-F238E27FC236}">
-                <a16:creationId xmlns:a16="http://schemas.microsoft.com/office/drawing/2014/main" id="{4954FCDE-4CF8-BE0E-C110-9CB11B9B0444}"/>
+                <a16:creationId xmlns:a16="http://schemas.microsoft.com/office/drawing/2014/main" id="{1AA1DBF3-7049-7A20-CBA4-FEA8F785B7A8}"/>
               </a:ext>
             </a:extLst>
           </p:cNvPr>
@@ -712,7 +712,7 @@
           <a:bodyPr/>
           <a:lstStyle/>
           <a:p>
-            <a:fld id="{D675676E-9196-4F64-8957-F14AF35DB08E}" type="slidenum">
+            <a:fld id="{6EB04AA5-0217-448D-8F3B-8E002BD20723}" type="slidenum">
               <a:rPr lang="zh-CN" altLang="en-US" smtClean="0"/>
               <a:t>‹#›</a:t>
             </a:fld>
@@ -723,7 +723,7 @@
     </p:spTree>
     <p:extLst>
       <p:ext uri="{BB962C8B-B14F-4D97-AF65-F5344CB8AC3E}">
-        <p14:creationId xmlns:p14="http://schemas.microsoft.com/office/powerpoint/2010/main" val="435755336"/>
+        <p14:creationId xmlns:p14="http://schemas.microsoft.com/office/powerpoint/2010/main" val="2552595461"/>
       </p:ext>
     </p:extLst>
   </p:cSld>
@@ -755,7 +755,7 @@
           <p:cNvPr id="2" name="标题 1">
             <a:extLst>
               <a:ext uri="{FF2B5EF4-FFF2-40B4-BE49-F238E27FC236}">
-                <a16:creationId xmlns:a16="http://schemas.microsoft.com/office/drawing/2014/main" id="{E2F4C838-9A78-8621-2766-3D83BF61FD74}"/>
+                <a16:creationId xmlns:a16="http://schemas.microsoft.com/office/drawing/2014/main" id="{93DAC96B-CB56-13D2-798E-C724C91967AD}"/>
               </a:ext>
             </a:extLst>
           </p:cNvPr>
@@ -783,7 +783,7 @@
           <p:cNvPr id="3" name="内容占位符 2">
             <a:extLst>
               <a:ext uri="{FF2B5EF4-FFF2-40B4-BE49-F238E27FC236}">
-                <a16:creationId xmlns:a16="http://schemas.microsoft.com/office/drawing/2014/main" id="{3238AE2F-3024-1512-637E-5F87D5C70D82}"/>
+                <a16:creationId xmlns:a16="http://schemas.microsoft.com/office/drawing/2014/main" id="{BB4AFC0D-1EEF-8202-BB82-5D1A473EC442}"/>
               </a:ext>
             </a:extLst>
           </p:cNvPr>
@@ -840,7 +840,7 @@
           <p:cNvPr id="4" name="日期占位符 3">
             <a:extLst>
               <a:ext uri="{FF2B5EF4-FFF2-40B4-BE49-F238E27FC236}">
-                <a16:creationId xmlns:a16="http://schemas.microsoft.com/office/drawing/2014/main" id="{D327F55B-895D-66E1-9CA0-FFA16B7EAA52}"/>
+                <a16:creationId xmlns:a16="http://schemas.microsoft.com/office/drawing/2014/main" id="{D2E0A76D-C53A-5673-ACB3-119393D961F3}"/>
               </a:ext>
             </a:extLst>
           </p:cNvPr>
@@ -856,7 +856,7 @@
           <a:bodyPr/>
           <a:lstStyle/>
           <a:p>
-            <a:fld id="{F218C118-FDF5-4ED2-B9DB-34A4E6D61D9E}" type="datetimeFigureOut">
+            <a:fld id="{AA235101-EA30-4610-8F66-EAFF218FADB9}" type="datetimeFigureOut">
               <a:rPr lang="zh-CN" altLang="en-US" smtClean="0"/>
               <a:t>2024/3/10</a:t>
             </a:fld>
@@ -869,7 +869,7 @@
           <p:cNvPr id="5" name="页脚占位符 4">
             <a:extLst>
               <a:ext uri="{FF2B5EF4-FFF2-40B4-BE49-F238E27FC236}">
-                <a16:creationId xmlns:a16="http://schemas.microsoft.com/office/drawing/2014/main" id="{907D412F-C52B-1EEA-93F1-824D529FEE59}"/>
+                <a16:creationId xmlns:a16="http://schemas.microsoft.com/office/drawing/2014/main" id="{26C7C97F-9729-46E8-56EB-F6C2E3DFD333}"/>
               </a:ext>
             </a:extLst>
           </p:cNvPr>
@@ -894,7 +894,7 @@
           <p:cNvPr id="6" name="灯片编号占位符 5">
             <a:extLst>
               <a:ext uri="{FF2B5EF4-FFF2-40B4-BE49-F238E27FC236}">
-                <a16:creationId xmlns:a16="http://schemas.microsoft.com/office/drawing/2014/main" id="{F7BE240D-86CB-11EE-07A5-744FB9652F31}"/>
+                <a16:creationId xmlns:a16="http://schemas.microsoft.com/office/drawing/2014/main" id="{1E40599F-E8B3-1232-FDD3-F1CC0C01A2C8}"/>
               </a:ext>
             </a:extLst>
           </p:cNvPr>
@@ -910,7 +910,7 @@
           <a:bodyPr/>
           <a:lstStyle/>
           <a:p>
-            <a:fld id="{D675676E-9196-4F64-8957-F14AF35DB08E}" type="slidenum">
+            <a:fld id="{6EB04AA5-0217-448D-8F3B-8E002BD20723}" type="slidenum">
               <a:rPr lang="zh-CN" altLang="en-US" smtClean="0"/>
               <a:t>‹#›</a:t>
             </a:fld>
@@ -921,7 +921,7 @@
     </p:spTree>
     <p:extLst>
       <p:ext uri="{BB962C8B-B14F-4D97-AF65-F5344CB8AC3E}">
-        <p14:creationId xmlns:p14="http://schemas.microsoft.com/office/powerpoint/2010/main" val="4242076460"/>
+        <p14:creationId xmlns:p14="http://schemas.microsoft.com/office/powerpoint/2010/main" val="16882846"/>
       </p:ext>
     </p:extLst>
   </p:cSld>
@@ -953,7 +953,7 @@
           <p:cNvPr id="2" name="标题 1">
             <a:extLst>
               <a:ext uri="{FF2B5EF4-FFF2-40B4-BE49-F238E27FC236}">
-                <a16:creationId xmlns:a16="http://schemas.microsoft.com/office/drawing/2014/main" id="{823986A5-C934-EB89-2C3A-F9BBDB0AF680}"/>
+                <a16:creationId xmlns:a16="http://schemas.microsoft.com/office/drawing/2014/main" id="{810F3916-9500-E4A2-E867-BAEFAD84922A}"/>
               </a:ext>
             </a:extLst>
           </p:cNvPr>
@@ -990,7 +990,7 @@
           <p:cNvPr id="3" name="文本占位符 2">
             <a:extLst>
               <a:ext uri="{FF2B5EF4-FFF2-40B4-BE49-F238E27FC236}">
-                <a16:creationId xmlns:a16="http://schemas.microsoft.com/office/drawing/2014/main" id="{AEFE0931-2EB9-682F-10D0-934BCAEC7042}"/>
+                <a16:creationId xmlns:a16="http://schemas.microsoft.com/office/drawing/2014/main" id="{56310025-2A29-2932-2700-603BA59AE545}"/>
               </a:ext>
             </a:extLst>
           </p:cNvPr>
@@ -1115,7 +1115,7 @@
           <p:cNvPr id="4" name="日期占位符 3">
             <a:extLst>
               <a:ext uri="{FF2B5EF4-FFF2-40B4-BE49-F238E27FC236}">
-                <a16:creationId xmlns:a16="http://schemas.microsoft.com/office/drawing/2014/main" id="{FE3029DC-4B97-3F38-1EBC-A8DEBD9644C9}"/>
+                <a16:creationId xmlns:a16="http://schemas.microsoft.com/office/drawing/2014/main" id="{98810184-B5C2-9F3C-0E72-EBC7F3AFAC1C}"/>
               </a:ext>
             </a:extLst>
           </p:cNvPr>
@@ -1131,7 +1131,7 @@
           <a:bodyPr/>
           <a:lstStyle/>
           <a:p>
-            <a:fld id="{F218C118-FDF5-4ED2-B9DB-34A4E6D61D9E}" type="datetimeFigureOut">
+            <a:fld id="{AA235101-EA30-4610-8F66-EAFF218FADB9}" type="datetimeFigureOut">
               <a:rPr lang="zh-CN" altLang="en-US" smtClean="0"/>
               <a:t>2024/3/10</a:t>
             </a:fld>
@@ -1144,7 +1144,7 @@
           <p:cNvPr id="5" name="页脚占位符 4">
             <a:extLst>
               <a:ext uri="{FF2B5EF4-FFF2-40B4-BE49-F238E27FC236}">
-                <a16:creationId xmlns:a16="http://schemas.microsoft.com/office/drawing/2014/main" id="{5F4E3823-5853-6BD4-E9FC-E80D757889C4}"/>
+                <a16:creationId xmlns:a16="http://schemas.microsoft.com/office/drawing/2014/main" id="{ED2432B3-01CA-2B38-95E4-A469298AE18A}"/>
               </a:ext>
             </a:extLst>
           </p:cNvPr>
@@ -1169,7 +1169,7 @@
           <p:cNvPr id="6" name="灯片编号占位符 5">
             <a:extLst>
               <a:ext uri="{FF2B5EF4-FFF2-40B4-BE49-F238E27FC236}">
-                <a16:creationId xmlns:a16="http://schemas.microsoft.com/office/drawing/2014/main" id="{485CDA06-1628-4BFC-4EEA-EE92B895DF21}"/>
+                <a16:creationId xmlns:a16="http://schemas.microsoft.com/office/drawing/2014/main" id="{BAE58F0B-80A1-01FB-F516-C3BD336FB504}"/>
               </a:ext>
             </a:extLst>
           </p:cNvPr>
@@ -1185,7 +1185,7 @@
           <a:bodyPr/>
           <a:lstStyle/>
           <a:p>
-            <a:fld id="{D675676E-9196-4F64-8957-F14AF35DB08E}" type="slidenum">
+            <a:fld id="{6EB04AA5-0217-448D-8F3B-8E002BD20723}" type="slidenum">
               <a:rPr lang="zh-CN" altLang="en-US" smtClean="0"/>
               <a:t>‹#›</a:t>
             </a:fld>
@@ -1196,7 +1196,7 @@
     </p:spTree>
     <p:extLst>
       <p:ext uri="{BB962C8B-B14F-4D97-AF65-F5344CB8AC3E}">
-        <p14:creationId xmlns:p14="http://schemas.microsoft.com/office/powerpoint/2010/main" val="3090493227"/>
+        <p14:creationId xmlns:p14="http://schemas.microsoft.com/office/powerpoint/2010/main" val="3965911089"/>
       </p:ext>
     </p:extLst>
   </p:cSld>
@@ -1228,7 +1228,7 @@
           <p:cNvPr id="2" name="标题 1">
             <a:extLst>
               <a:ext uri="{FF2B5EF4-FFF2-40B4-BE49-F238E27FC236}">
-                <a16:creationId xmlns:a16="http://schemas.microsoft.com/office/drawing/2014/main" id="{7A5BD5CF-3D97-6C35-6502-8B25F2568855}"/>
+                <a16:creationId xmlns:a16="http://schemas.microsoft.com/office/drawing/2014/main" id="{1472EAB0-DD96-208A-A7C2-1FDF3C549230}"/>
               </a:ext>
             </a:extLst>
           </p:cNvPr>
@@ -1256,7 +1256,7 @@
           <p:cNvPr id="3" name="内容占位符 2">
             <a:extLst>
               <a:ext uri="{FF2B5EF4-FFF2-40B4-BE49-F238E27FC236}">
-                <a16:creationId xmlns:a16="http://schemas.microsoft.com/office/drawing/2014/main" id="{9D3962F5-830C-D672-3213-73CDCD03E90B}"/>
+                <a16:creationId xmlns:a16="http://schemas.microsoft.com/office/drawing/2014/main" id="{479AAFFF-D58C-833A-4F32-DE923B59CCF7}"/>
               </a:ext>
             </a:extLst>
           </p:cNvPr>
@@ -1318,7 +1318,7 @@
           <p:cNvPr id="4" name="内容占位符 3">
             <a:extLst>
               <a:ext uri="{FF2B5EF4-FFF2-40B4-BE49-F238E27FC236}">
-                <a16:creationId xmlns:a16="http://schemas.microsoft.com/office/drawing/2014/main" id="{8D99C4D2-BADA-8CAA-FFA4-1E8C3C03C217}"/>
+                <a16:creationId xmlns:a16="http://schemas.microsoft.com/office/drawing/2014/main" id="{0C2FFF2B-FB2F-D676-A35C-85B2915FFAF3}"/>
               </a:ext>
             </a:extLst>
           </p:cNvPr>
@@ -1380,7 +1380,7 @@
           <p:cNvPr id="5" name="日期占位符 4">
             <a:extLst>
               <a:ext uri="{FF2B5EF4-FFF2-40B4-BE49-F238E27FC236}">
-                <a16:creationId xmlns:a16="http://schemas.microsoft.com/office/drawing/2014/main" id="{0B445F14-7C76-E22D-4FBE-FB5025E9AD1B}"/>
+                <a16:creationId xmlns:a16="http://schemas.microsoft.com/office/drawing/2014/main" id="{157F4F13-831F-248C-5E65-358528CC6F94}"/>
               </a:ext>
             </a:extLst>
           </p:cNvPr>
@@ -1396,7 +1396,7 @@
           <a:bodyPr/>
           <a:lstStyle/>
           <a:p>
-            <a:fld id="{F218C118-FDF5-4ED2-B9DB-34A4E6D61D9E}" type="datetimeFigureOut">
+            <a:fld id="{AA235101-EA30-4610-8F66-EAFF218FADB9}" type="datetimeFigureOut">
               <a:rPr lang="zh-CN" altLang="en-US" smtClean="0"/>
               <a:t>2024/3/10</a:t>
             </a:fld>
@@ -1409,7 +1409,7 @@
           <p:cNvPr id="6" name="页脚占位符 5">
             <a:extLst>
               <a:ext uri="{FF2B5EF4-FFF2-40B4-BE49-F238E27FC236}">
-                <a16:creationId xmlns:a16="http://schemas.microsoft.com/office/drawing/2014/main" id="{CACD082D-1F46-CDB2-8085-4894140528E8}"/>
+                <a16:creationId xmlns:a16="http://schemas.microsoft.com/office/drawing/2014/main" id="{71EECA6A-7F89-FBD9-EDB7-CA9865B13CF8}"/>
               </a:ext>
             </a:extLst>
           </p:cNvPr>
@@ -1434,7 +1434,7 @@
           <p:cNvPr id="7" name="灯片编号占位符 6">
             <a:extLst>
               <a:ext uri="{FF2B5EF4-FFF2-40B4-BE49-F238E27FC236}">
-                <a16:creationId xmlns:a16="http://schemas.microsoft.com/office/drawing/2014/main" id="{2C589CC4-9DBB-FFAE-98F9-DF7B7E12240E}"/>
+                <a16:creationId xmlns:a16="http://schemas.microsoft.com/office/drawing/2014/main" id="{428C7708-2BD0-2ABA-130C-6E08C09FDFD3}"/>
               </a:ext>
             </a:extLst>
           </p:cNvPr>
@@ -1450,7 +1450,7 @@
           <a:bodyPr/>
           <a:lstStyle/>
           <a:p>
-            <a:fld id="{D675676E-9196-4F64-8957-F14AF35DB08E}" type="slidenum">
+            <a:fld id="{6EB04AA5-0217-448D-8F3B-8E002BD20723}" type="slidenum">
               <a:rPr lang="zh-CN" altLang="en-US" smtClean="0"/>
               <a:t>‹#›</a:t>
             </a:fld>
@@ -1461,7 +1461,7 @@
     </p:spTree>
     <p:extLst>
       <p:ext uri="{BB962C8B-B14F-4D97-AF65-F5344CB8AC3E}">
-        <p14:creationId xmlns:p14="http://schemas.microsoft.com/office/powerpoint/2010/main" val="1936671439"/>
+        <p14:creationId xmlns:p14="http://schemas.microsoft.com/office/powerpoint/2010/main" val="891607911"/>
       </p:ext>
     </p:extLst>
   </p:cSld>
@@ -1493,7 +1493,7 @@
           <p:cNvPr id="2" name="标题 1">
             <a:extLst>
               <a:ext uri="{FF2B5EF4-FFF2-40B4-BE49-F238E27FC236}">
-                <a16:creationId xmlns:a16="http://schemas.microsoft.com/office/drawing/2014/main" id="{B990EC66-B33F-B9B4-7D51-ECB42102979C}"/>
+                <a16:creationId xmlns:a16="http://schemas.microsoft.com/office/drawing/2014/main" id="{E1A9BB24-2DA8-B153-FAC4-D5D2283C319A}"/>
               </a:ext>
             </a:extLst>
           </p:cNvPr>
@@ -1526,7 +1526,7 @@
           <p:cNvPr id="3" name="文本占位符 2">
             <a:extLst>
               <a:ext uri="{FF2B5EF4-FFF2-40B4-BE49-F238E27FC236}">
-                <a16:creationId xmlns:a16="http://schemas.microsoft.com/office/drawing/2014/main" id="{544A46EA-55A4-AB77-3F25-17E097887E97}"/>
+                <a16:creationId xmlns:a16="http://schemas.microsoft.com/office/drawing/2014/main" id="{A39F3EDE-97AB-7C75-6C6D-1BF35FAC4BD8}"/>
               </a:ext>
             </a:extLst>
           </p:cNvPr>
@@ -1597,7 +1597,7 @@
           <p:cNvPr id="4" name="内容占位符 3">
             <a:extLst>
               <a:ext uri="{FF2B5EF4-FFF2-40B4-BE49-F238E27FC236}">
-                <a16:creationId xmlns:a16="http://schemas.microsoft.com/office/drawing/2014/main" id="{CD7AE002-0E11-3AFD-3CF5-B25578D16955}"/>
+                <a16:creationId xmlns:a16="http://schemas.microsoft.com/office/drawing/2014/main" id="{2E01A3C7-005E-DC8B-D1CE-14FE5DF67C2C}"/>
               </a:ext>
             </a:extLst>
           </p:cNvPr>
@@ -1659,7 +1659,7 @@
           <p:cNvPr id="5" name="文本占位符 4">
             <a:extLst>
               <a:ext uri="{FF2B5EF4-FFF2-40B4-BE49-F238E27FC236}">
-                <a16:creationId xmlns:a16="http://schemas.microsoft.com/office/drawing/2014/main" id="{236D5A64-627B-9A29-32C5-C347F56F7528}"/>
+                <a16:creationId xmlns:a16="http://schemas.microsoft.com/office/drawing/2014/main" id="{E189CFB5-1FC8-3B62-D8EB-6582404A48C3}"/>
               </a:ext>
             </a:extLst>
           </p:cNvPr>
@@ -1730,7 +1730,7 @@
           <p:cNvPr id="6" name="内容占位符 5">
             <a:extLst>
               <a:ext uri="{FF2B5EF4-FFF2-40B4-BE49-F238E27FC236}">
-                <a16:creationId xmlns:a16="http://schemas.microsoft.com/office/drawing/2014/main" id="{05A51736-106F-9747-5245-03596FBA6F0B}"/>
+                <a16:creationId xmlns:a16="http://schemas.microsoft.com/office/drawing/2014/main" id="{B5A0DA3E-0285-2BEC-4F0A-E18E87541A88}"/>
               </a:ext>
             </a:extLst>
           </p:cNvPr>
@@ -1792,7 +1792,7 @@
           <p:cNvPr id="7" name="日期占位符 6">
             <a:extLst>
               <a:ext uri="{FF2B5EF4-FFF2-40B4-BE49-F238E27FC236}">
-                <a16:creationId xmlns:a16="http://schemas.microsoft.com/office/drawing/2014/main" id="{4BE36AF3-6D15-D35E-0D36-469B022B4B96}"/>
+                <a16:creationId xmlns:a16="http://schemas.microsoft.com/office/drawing/2014/main" id="{D6F26ADD-3A8E-D4DB-74A9-46A9744065D2}"/>
               </a:ext>
             </a:extLst>
           </p:cNvPr>
@@ -1808,7 +1808,7 @@
           <a:bodyPr/>
           <a:lstStyle/>
           <a:p>
-            <a:fld id="{F218C118-FDF5-4ED2-B9DB-34A4E6D61D9E}" type="datetimeFigureOut">
+            <a:fld id="{AA235101-EA30-4610-8F66-EAFF218FADB9}" type="datetimeFigureOut">
               <a:rPr lang="zh-CN" altLang="en-US" smtClean="0"/>
               <a:t>2024/3/10</a:t>
             </a:fld>
@@ -1821,7 +1821,7 @@
           <p:cNvPr id="8" name="页脚占位符 7">
             <a:extLst>
               <a:ext uri="{FF2B5EF4-FFF2-40B4-BE49-F238E27FC236}">
-                <a16:creationId xmlns:a16="http://schemas.microsoft.com/office/drawing/2014/main" id="{DB9B6750-04D5-B2C5-ECF7-2EAA5B17BB8F}"/>
+                <a16:creationId xmlns:a16="http://schemas.microsoft.com/office/drawing/2014/main" id="{9B8449CB-D400-91B1-FDD1-CF7B1D510432}"/>
               </a:ext>
             </a:extLst>
           </p:cNvPr>
@@ -1846,7 +1846,7 @@
           <p:cNvPr id="9" name="灯片编号占位符 8">
             <a:extLst>
               <a:ext uri="{FF2B5EF4-FFF2-40B4-BE49-F238E27FC236}">
-                <a16:creationId xmlns:a16="http://schemas.microsoft.com/office/drawing/2014/main" id="{5C5BDB57-F9E4-1B42-1295-F9A8F87D013B}"/>
+                <a16:creationId xmlns:a16="http://schemas.microsoft.com/office/drawing/2014/main" id="{B45415C3-ED53-42FE-E2B0-53FBE80F1420}"/>
               </a:ext>
             </a:extLst>
           </p:cNvPr>
@@ -1862,7 +1862,7 @@
           <a:bodyPr/>
           <a:lstStyle/>
           <a:p>
-            <a:fld id="{D675676E-9196-4F64-8957-F14AF35DB08E}" type="slidenum">
+            <a:fld id="{6EB04AA5-0217-448D-8F3B-8E002BD20723}" type="slidenum">
               <a:rPr lang="zh-CN" altLang="en-US" smtClean="0"/>
               <a:t>‹#›</a:t>
             </a:fld>
@@ -1873,7 +1873,7 @@
     </p:spTree>
     <p:extLst>
       <p:ext uri="{BB962C8B-B14F-4D97-AF65-F5344CB8AC3E}">
-        <p14:creationId xmlns:p14="http://schemas.microsoft.com/office/powerpoint/2010/main" val="3942729926"/>
+        <p14:creationId xmlns:p14="http://schemas.microsoft.com/office/powerpoint/2010/main" val="1962757533"/>
       </p:ext>
     </p:extLst>
   </p:cSld>
@@ -1905,7 +1905,7 @@
           <p:cNvPr id="2" name="标题 1">
             <a:extLst>
               <a:ext uri="{FF2B5EF4-FFF2-40B4-BE49-F238E27FC236}">
-                <a16:creationId xmlns:a16="http://schemas.microsoft.com/office/drawing/2014/main" id="{1BF16280-1154-6C45-684C-5A856EADE512}"/>
+                <a16:creationId xmlns:a16="http://schemas.microsoft.com/office/drawing/2014/main" id="{899859C7-DF49-445E-95B0-6F5FE0857803}"/>
               </a:ext>
             </a:extLst>
           </p:cNvPr>
@@ -1933,7 +1933,7 @@
           <p:cNvPr id="3" name="日期占位符 2">
             <a:extLst>
               <a:ext uri="{FF2B5EF4-FFF2-40B4-BE49-F238E27FC236}">
-                <a16:creationId xmlns:a16="http://schemas.microsoft.com/office/drawing/2014/main" id="{9EF9A139-94E8-5BC0-4467-720B45539581}"/>
+                <a16:creationId xmlns:a16="http://schemas.microsoft.com/office/drawing/2014/main" id="{29149C84-BACB-47C1-4634-AF4DBB0DFD9F}"/>
               </a:ext>
             </a:extLst>
           </p:cNvPr>
@@ -1949,7 +1949,7 @@
           <a:bodyPr/>
           <a:lstStyle/>
           <a:p>
-            <a:fld id="{F218C118-FDF5-4ED2-B9DB-34A4E6D61D9E}" type="datetimeFigureOut">
+            <a:fld id="{AA235101-EA30-4610-8F66-EAFF218FADB9}" type="datetimeFigureOut">
               <a:rPr lang="zh-CN" altLang="en-US" smtClean="0"/>
               <a:t>2024/3/10</a:t>
             </a:fld>
@@ -1962,7 +1962,7 @@
           <p:cNvPr id="4" name="页脚占位符 3">
             <a:extLst>
               <a:ext uri="{FF2B5EF4-FFF2-40B4-BE49-F238E27FC236}">
-                <a16:creationId xmlns:a16="http://schemas.microsoft.com/office/drawing/2014/main" id="{57356707-B74C-A461-53E5-A4F591016ED7}"/>
+                <a16:creationId xmlns:a16="http://schemas.microsoft.com/office/drawing/2014/main" id="{356FBB9B-15FB-507A-9E19-086E5936D2F6}"/>
               </a:ext>
             </a:extLst>
           </p:cNvPr>
@@ -1987,7 +1987,7 @@
           <p:cNvPr id="5" name="灯片编号占位符 4">
             <a:extLst>
               <a:ext uri="{FF2B5EF4-FFF2-40B4-BE49-F238E27FC236}">
-                <a16:creationId xmlns:a16="http://schemas.microsoft.com/office/drawing/2014/main" id="{626F98BA-52FF-4CF4-DF4C-C7696A2B7675}"/>
+                <a16:creationId xmlns:a16="http://schemas.microsoft.com/office/drawing/2014/main" id="{6677B6DC-DB0B-EABE-0252-BCF4D0E54685}"/>
               </a:ext>
             </a:extLst>
           </p:cNvPr>
@@ -2003,7 +2003,7 @@
           <a:bodyPr/>
           <a:lstStyle/>
           <a:p>
-            <a:fld id="{D675676E-9196-4F64-8957-F14AF35DB08E}" type="slidenum">
+            <a:fld id="{6EB04AA5-0217-448D-8F3B-8E002BD20723}" type="slidenum">
               <a:rPr lang="zh-CN" altLang="en-US" smtClean="0"/>
               <a:t>‹#›</a:t>
             </a:fld>
@@ -2014,7 +2014,7 @@
     </p:spTree>
     <p:extLst>
       <p:ext uri="{BB962C8B-B14F-4D97-AF65-F5344CB8AC3E}">
-        <p14:creationId xmlns:p14="http://schemas.microsoft.com/office/powerpoint/2010/main" val="1456636998"/>
+        <p14:creationId xmlns:p14="http://schemas.microsoft.com/office/powerpoint/2010/main" val="2032126838"/>
       </p:ext>
     </p:extLst>
   </p:cSld>
@@ -2046,7 +2046,7 @@
           <p:cNvPr id="2" name="日期占位符 1">
             <a:extLst>
               <a:ext uri="{FF2B5EF4-FFF2-40B4-BE49-F238E27FC236}">
-                <a16:creationId xmlns:a16="http://schemas.microsoft.com/office/drawing/2014/main" id="{54BE01FB-F31C-2CE2-2E65-1D4429B2B8AA}"/>
+                <a16:creationId xmlns:a16="http://schemas.microsoft.com/office/drawing/2014/main" id="{8B2F257C-C248-C7B6-A8E9-FED9245ED7B3}"/>
               </a:ext>
             </a:extLst>
           </p:cNvPr>
@@ -2062,7 +2062,7 @@
           <a:bodyPr/>
           <a:lstStyle/>
           <a:p>
-            <a:fld id="{F218C118-FDF5-4ED2-B9DB-34A4E6D61D9E}" type="datetimeFigureOut">
+            <a:fld id="{AA235101-EA30-4610-8F66-EAFF218FADB9}" type="datetimeFigureOut">
               <a:rPr lang="zh-CN" altLang="en-US" smtClean="0"/>
               <a:t>2024/3/10</a:t>
             </a:fld>
@@ -2075,7 +2075,7 @@
           <p:cNvPr id="3" name="页脚占位符 2">
             <a:extLst>
               <a:ext uri="{FF2B5EF4-FFF2-40B4-BE49-F238E27FC236}">
-                <a16:creationId xmlns:a16="http://schemas.microsoft.com/office/drawing/2014/main" id="{0D7238AF-EF84-7D36-8CB5-590872AD4FC4}"/>
+                <a16:creationId xmlns:a16="http://schemas.microsoft.com/office/drawing/2014/main" id="{531482E2-D00A-C403-C1FB-F76BB65FE935}"/>
               </a:ext>
             </a:extLst>
           </p:cNvPr>
@@ -2100,7 +2100,7 @@
           <p:cNvPr id="4" name="灯片编号占位符 3">
             <a:extLst>
               <a:ext uri="{FF2B5EF4-FFF2-40B4-BE49-F238E27FC236}">
-                <a16:creationId xmlns:a16="http://schemas.microsoft.com/office/drawing/2014/main" id="{DD63ABDD-EE6D-9FF1-68FF-04354CD83DA2}"/>
+                <a16:creationId xmlns:a16="http://schemas.microsoft.com/office/drawing/2014/main" id="{A0312B85-6C2B-5442-0601-808D1F8449A1}"/>
               </a:ext>
             </a:extLst>
           </p:cNvPr>
@@ -2116,7 +2116,7 @@
           <a:bodyPr/>
           <a:lstStyle/>
           <a:p>
-            <a:fld id="{D675676E-9196-4F64-8957-F14AF35DB08E}" type="slidenum">
+            <a:fld id="{6EB04AA5-0217-448D-8F3B-8E002BD20723}" type="slidenum">
               <a:rPr lang="zh-CN" altLang="en-US" smtClean="0"/>
               <a:t>‹#›</a:t>
             </a:fld>
@@ -2127,7 +2127,7 @@
     </p:spTree>
     <p:extLst>
       <p:ext uri="{BB962C8B-B14F-4D97-AF65-F5344CB8AC3E}">
-        <p14:creationId xmlns:p14="http://schemas.microsoft.com/office/powerpoint/2010/main" val="74109752"/>
+        <p14:creationId xmlns:p14="http://schemas.microsoft.com/office/powerpoint/2010/main" val="202793277"/>
       </p:ext>
     </p:extLst>
   </p:cSld>
@@ -2159,7 +2159,7 @@
           <p:cNvPr id="2" name="标题 1">
             <a:extLst>
               <a:ext uri="{FF2B5EF4-FFF2-40B4-BE49-F238E27FC236}">
-                <a16:creationId xmlns:a16="http://schemas.microsoft.com/office/drawing/2014/main" id="{4F17320E-8762-C423-AC7D-30694C8886AF}"/>
+                <a16:creationId xmlns:a16="http://schemas.microsoft.com/office/drawing/2014/main" id="{29096A6A-F6FD-1D57-16D3-5C91F1E66FB7}"/>
               </a:ext>
             </a:extLst>
           </p:cNvPr>
@@ -2196,7 +2196,7 @@
           <p:cNvPr id="3" name="内容占位符 2">
             <a:extLst>
               <a:ext uri="{FF2B5EF4-FFF2-40B4-BE49-F238E27FC236}">
-                <a16:creationId xmlns:a16="http://schemas.microsoft.com/office/drawing/2014/main" id="{0F551B33-F6E1-7C49-F1A2-CF4AC04F9917}"/>
+                <a16:creationId xmlns:a16="http://schemas.microsoft.com/office/drawing/2014/main" id="{44C1F252-7697-1311-9378-5F092B90CA3E}"/>
               </a:ext>
             </a:extLst>
           </p:cNvPr>
@@ -2286,7 +2286,7 @@
           <p:cNvPr id="4" name="文本占位符 3">
             <a:extLst>
               <a:ext uri="{FF2B5EF4-FFF2-40B4-BE49-F238E27FC236}">
-                <a16:creationId xmlns:a16="http://schemas.microsoft.com/office/drawing/2014/main" id="{005D6FEF-B1EB-05B8-6FBF-84C7196C52D6}"/>
+                <a16:creationId xmlns:a16="http://schemas.microsoft.com/office/drawing/2014/main" id="{B1F739B4-B7D2-4DC7-07C4-78E419F454F7}"/>
               </a:ext>
             </a:extLst>
           </p:cNvPr>
@@ -2357,7 +2357,7 @@
           <p:cNvPr id="5" name="日期占位符 4">
             <a:extLst>
               <a:ext uri="{FF2B5EF4-FFF2-40B4-BE49-F238E27FC236}">
-                <a16:creationId xmlns:a16="http://schemas.microsoft.com/office/drawing/2014/main" id="{7AE69B46-504F-1943-FC0A-E7A3328D0A63}"/>
+                <a16:creationId xmlns:a16="http://schemas.microsoft.com/office/drawing/2014/main" id="{ECB58C67-E96C-7FE9-0770-315C775437DD}"/>
               </a:ext>
             </a:extLst>
           </p:cNvPr>
@@ -2373,7 +2373,7 @@
           <a:bodyPr/>
           <a:lstStyle/>
           <a:p>
-            <a:fld id="{F218C118-FDF5-4ED2-B9DB-34A4E6D61D9E}" type="datetimeFigureOut">
+            <a:fld id="{AA235101-EA30-4610-8F66-EAFF218FADB9}" type="datetimeFigureOut">
               <a:rPr lang="zh-CN" altLang="en-US" smtClean="0"/>
               <a:t>2024/3/10</a:t>
             </a:fld>
@@ -2386,7 +2386,7 @@
           <p:cNvPr id="6" name="页脚占位符 5">
             <a:extLst>
               <a:ext uri="{FF2B5EF4-FFF2-40B4-BE49-F238E27FC236}">
-                <a16:creationId xmlns:a16="http://schemas.microsoft.com/office/drawing/2014/main" id="{0C54A091-0FD5-0F24-D541-FF1248BE5003}"/>
+                <a16:creationId xmlns:a16="http://schemas.microsoft.com/office/drawing/2014/main" id="{C61A1812-2E2E-F75F-00F7-7E37917C2D7B}"/>
               </a:ext>
             </a:extLst>
           </p:cNvPr>
@@ -2411,7 +2411,7 @@
           <p:cNvPr id="7" name="灯片编号占位符 6">
             <a:extLst>
               <a:ext uri="{FF2B5EF4-FFF2-40B4-BE49-F238E27FC236}">
-                <a16:creationId xmlns:a16="http://schemas.microsoft.com/office/drawing/2014/main" id="{0CEF7028-6411-E352-EA5D-72A03417FC42}"/>
+                <a16:creationId xmlns:a16="http://schemas.microsoft.com/office/drawing/2014/main" id="{4C24FD67-3EAC-4D97-19F0-7B73FD9D4ADF}"/>
               </a:ext>
             </a:extLst>
           </p:cNvPr>
@@ -2427,7 +2427,7 @@
           <a:bodyPr/>
           <a:lstStyle/>
           <a:p>
-            <a:fld id="{D675676E-9196-4F64-8957-F14AF35DB08E}" type="slidenum">
+            <a:fld id="{6EB04AA5-0217-448D-8F3B-8E002BD20723}" type="slidenum">
               <a:rPr lang="zh-CN" altLang="en-US" smtClean="0"/>
               <a:t>‹#›</a:t>
             </a:fld>
@@ -2438,7 +2438,7 @@
     </p:spTree>
     <p:extLst>
       <p:ext uri="{BB962C8B-B14F-4D97-AF65-F5344CB8AC3E}">
-        <p14:creationId xmlns:p14="http://schemas.microsoft.com/office/powerpoint/2010/main" val="2143561229"/>
+        <p14:creationId xmlns:p14="http://schemas.microsoft.com/office/powerpoint/2010/main" val="154140906"/>
       </p:ext>
     </p:extLst>
   </p:cSld>
@@ -2470,7 +2470,7 @@
           <p:cNvPr id="2" name="标题 1">
             <a:extLst>
               <a:ext uri="{FF2B5EF4-FFF2-40B4-BE49-F238E27FC236}">
-                <a16:creationId xmlns:a16="http://schemas.microsoft.com/office/drawing/2014/main" id="{D7A666DC-FAAB-7EEC-0221-4DB767CA78BA}"/>
+                <a16:creationId xmlns:a16="http://schemas.microsoft.com/office/drawing/2014/main" id="{A33260D6-1198-741E-1D84-8C390006A7BD}"/>
               </a:ext>
             </a:extLst>
           </p:cNvPr>
@@ -2507,7 +2507,7 @@
           <p:cNvPr id="3" name="图片占位符 2">
             <a:extLst>
               <a:ext uri="{FF2B5EF4-FFF2-40B4-BE49-F238E27FC236}">
-                <a16:creationId xmlns:a16="http://schemas.microsoft.com/office/drawing/2014/main" id="{11B52724-5B89-55B4-D794-D830D2151B76}"/>
+                <a16:creationId xmlns:a16="http://schemas.microsoft.com/office/drawing/2014/main" id="{3967D543-8F67-26E0-FE7A-2F58367F573B}"/>
               </a:ext>
             </a:extLst>
           </p:cNvPr>
@@ -2574,7 +2574,7 @@
           <p:cNvPr id="4" name="文本占位符 3">
             <a:extLst>
               <a:ext uri="{FF2B5EF4-FFF2-40B4-BE49-F238E27FC236}">
-                <a16:creationId xmlns:a16="http://schemas.microsoft.com/office/drawing/2014/main" id="{AB6DE4DF-986C-E83F-5418-675998570FBA}"/>
+                <a16:creationId xmlns:a16="http://schemas.microsoft.com/office/drawing/2014/main" id="{0D792249-A34F-A4DB-C47B-3E43AA7532EF}"/>
               </a:ext>
             </a:extLst>
           </p:cNvPr>
@@ -2645,7 +2645,7 @@
           <p:cNvPr id="5" name="日期占位符 4">
             <a:extLst>
               <a:ext uri="{FF2B5EF4-FFF2-40B4-BE49-F238E27FC236}">
-                <a16:creationId xmlns:a16="http://schemas.microsoft.com/office/drawing/2014/main" id="{96D7669D-CBEB-8520-61E1-997337F16293}"/>
+                <a16:creationId xmlns:a16="http://schemas.microsoft.com/office/drawing/2014/main" id="{E51E2EDA-1AA3-09F2-7D58-0A7BF8FBC82E}"/>
               </a:ext>
             </a:extLst>
           </p:cNvPr>
@@ -2661,7 +2661,7 @@
           <a:bodyPr/>
           <a:lstStyle/>
           <a:p>
-            <a:fld id="{F218C118-FDF5-4ED2-B9DB-34A4E6D61D9E}" type="datetimeFigureOut">
+            <a:fld id="{AA235101-EA30-4610-8F66-EAFF218FADB9}" type="datetimeFigureOut">
               <a:rPr lang="zh-CN" altLang="en-US" smtClean="0"/>
               <a:t>2024/3/10</a:t>
             </a:fld>
@@ -2674,7 +2674,7 @@
           <p:cNvPr id="6" name="页脚占位符 5">
             <a:extLst>
               <a:ext uri="{FF2B5EF4-FFF2-40B4-BE49-F238E27FC236}">
-                <a16:creationId xmlns:a16="http://schemas.microsoft.com/office/drawing/2014/main" id="{D243BBCB-01AB-C907-09E5-9B84660DF311}"/>
+                <a16:creationId xmlns:a16="http://schemas.microsoft.com/office/drawing/2014/main" id="{A8D0C95F-13EC-2F94-4F78-0590F03D18DD}"/>
               </a:ext>
             </a:extLst>
           </p:cNvPr>
@@ -2699,7 +2699,7 @@
           <p:cNvPr id="7" name="灯片编号占位符 6">
             <a:extLst>
               <a:ext uri="{FF2B5EF4-FFF2-40B4-BE49-F238E27FC236}">
-                <a16:creationId xmlns:a16="http://schemas.microsoft.com/office/drawing/2014/main" id="{8FB90CA1-928B-EC23-CA31-7E0D3EFF4060}"/>
+                <a16:creationId xmlns:a16="http://schemas.microsoft.com/office/drawing/2014/main" id="{B842E86F-A073-A70A-0ED6-E4012FAD2316}"/>
               </a:ext>
             </a:extLst>
           </p:cNvPr>
@@ -2715,7 +2715,7 @@
           <a:bodyPr/>
           <a:lstStyle/>
           <a:p>
-            <a:fld id="{D675676E-9196-4F64-8957-F14AF35DB08E}" type="slidenum">
+            <a:fld id="{6EB04AA5-0217-448D-8F3B-8E002BD20723}" type="slidenum">
               <a:rPr lang="zh-CN" altLang="en-US" smtClean="0"/>
               <a:t>‹#›</a:t>
             </a:fld>
@@ -2726,7 +2726,7 @@
     </p:spTree>
     <p:extLst>
       <p:ext uri="{BB962C8B-B14F-4D97-AF65-F5344CB8AC3E}">
-        <p14:creationId xmlns:p14="http://schemas.microsoft.com/office/powerpoint/2010/main" val="3025707408"/>
+        <p14:creationId xmlns:p14="http://schemas.microsoft.com/office/powerpoint/2010/main" val="706525899"/>
       </p:ext>
     </p:extLst>
   </p:cSld>
@@ -2763,7 +2763,7 @@
           <p:cNvPr id="2" name="标题占位符 1">
             <a:extLst>
               <a:ext uri="{FF2B5EF4-FFF2-40B4-BE49-F238E27FC236}">
-                <a16:creationId xmlns:a16="http://schemas.microsoft.com/office/drawing/2014/main" id="{FF08A2C5-C5A0-4DBE-3AFF-E949C8318B29}"/>
+                <a16:creationId xmlns:a16="http://schemas.microsoft.com/office/drawing/2014/main" id="{50306EE8-2B54-AE37-3A63-069C8AADEBC1}"/>
               </a:ext>
             </a:extLst>
           </p:cNvPr>
@@ -2801,7 +2801,7 @@
           <p:cNvPr id="3" name="文本占位符 2">
             <a:extLst>
               <a:ext uri="{FF2B5EF4-FFF2-40B4-BE49-F238E27FC236}">
-                <a16:creationId xmlns:a16="http://schemas.microsoft.com/office/drawing/2014/main" id="{4752130E-39DA-7CE8-6721-E42C5E841371}"/>
+                <a16:creationId xmlns:a16="http://schemas.microsoft.com/office/drawing/2014/main" id="{EAABC915-A48E-C2C2-B010-DF5393995948}"/>
               </a:ext>
             </a:extLst>
           </p:cNvPr>
@@ -2868,7 +2868,7 @@
           <p:cNvPr id="4" name="日期占位符 3">
             <a:extLst>
               <a:ext uri="{FF2B5EF4-FFF2-40B4-BE49-F238E27FC236}">
-                <a16:creationId xmlns:a16="http://schemas.microsoft.com/office/drawing/2014/main" id="{BCEAA17C-63CD-C3AE-A169-8C2BA4574C9B}"/>
+                <a16:creationId xmlns:a16="http://schemas.microsoft.com/office/drawing/2014/main" id="{049E0E8A-0128-6141-1872-ED0D6D8519B3}"/>
               </a:ext>
             </a:extLst>
           </p:cNvPr>
@@ -2902,7 +2902,7 @@
             </a:lvl1pPr>
           </a:lstStyle>
           <a:p>
-            <a:fld id="{F218C118-FDF5-4ED2-B9DB-34A4E6D61D9E}" type="datetimeFigureOut">
+            <a:fld id="{AA235101-EA30-4610-8F66-EAFF218FADB9}" type="datetimeFigureOut">
               <a:rPr lang="zh-CN" altLang="en-US" smtClean="0"/>
               <a:t>2024/3/10</a:t>
             </a:fld>
@@ -2915,7 +2915,7 @@
           <p:cNvPr id="5" name="页脚占位符 4">
             <a:extLst>
               <a:ext uri="{FF2B5EF4-FFF2-40B4-BE49-F238E27FC236}">
-                <a16:creationId xmlns:a16="http://schemas.microsoft.com/office/drawing/2014/main" id="{4F977C2D-68AD-D59C-E8D0-696477CF21F2}"/>
+                <a16:creationId xmlns:a16="http://schemas.microsoft.com/office/drawing/2014/main" id="{3AB9BDF3-CFF1-75AE-9F8A-53CCFE15D9E2}"/>
               </a:ext>
             </a:extLst>
           </p:cNvPr>
@@ -2958,7 +2958,7 @@
           <p:cNvPr id="6" name="灯片编号占位符 5">
             <a:extLst>
               <a:ext uri="{FF2B5EF4-FFF2-40B4-BE49-F238E27FC236}">
-                <a16:creationId xmlns:a16="http://schemas.microsoft.com/office/drawing/2014/main" id="{BE1AD6B9-D138-9A71-51D3-0413D36AC7F8}"/>
+                <a16:creationId xmlns:a16="http://schemas.microsoft.com/office/drawing/2014/main" id="{DD72EAA0-14EE-CEB8-2AEF-CBED88698D1D}"/>
               </a:ext>
             </a:extLst>
           </p:cNvPr>
@@ -2992,7 +2992,7 @@
             </a:lvl1pPr>
           </a:lstStyle>
           <a:p>
-            <a:fld id="{D675676E-9196-4F64-8957-F14AF35DB08E}" type="slidenum">
+            <a:fld id="{6EB04AA5-0217-448D-8F3B-8E002BD20723}" type="slidenum">
               <a:rPr lang="zh-CN" altLang="en-US" smtClean="0"/>
               <a:t>‹#›</a:t>
             </a:fld>
@@ -3003,7 +3003,7 @@
     </p:spTree>
     <p:extLst>
       <p:ext uri="{BB962C8B-B14F-4D97-AF65-F5344CB8AC3E}">
-        <p14:creationId xmlns:p14="http://schemas.microsoft.com/office/powerpoint/2010/main" val="3621700535"/>
+        <p14:creationId xmlns:p14="http://schemas.microsoft.com/office/powerpoint/2010/main" val="2182029909"/>
       </p:ext>
     </p:extLst>
   </p:cSld>
